--- a/OBS/變聲/步驟.pptx
+++ b/OBS/變聲/步驟.pptx
@@ -9,6 +9,9 @@
     <p:sldId id="257" r:id="rId3"/>
     <p:sldId id="258" r:id="rId4"/>
     <p:sldId id="259" r:id="rId5"/>
+    <p:sldId id="260" r:id="rId6"/>
+    <p:sldId id="261" r:id="rId7"/>
+    <p:sldId id="262" r:id="rId8"/>
   </p:sldIdLst>
   <p:sldSz cx="12192000" cy="6858000"/>
   <p:notesSz cx="6858000" cy="9144000"/>
@@ -107,6 +110,11 @@
       </a:defRPr>
     </a:lvl9pPr>
   </p:defaultTextStyle>
+  <p:extLst>
+    <p:ext uri="{EFAFB233-063F-42B5-8137-9DF3F51BA10A}">
+      <p15:sldGuideLst xmlns:p15="http://schemas.microsoft.com/office/powerpoint/2012/main"/>
+    </p:ext>
+  </p:extLst>
 </p:presentation>
 </file>
 
@@ -4033,6 +4041,522 @@
 </p:sld>
 </file>
 
+<file path=ppt/slides/slide5.xml><?xml version="1.0" encoding="utf-8"?>
+<p:sld xmlns:a="http://schemas.openxmlformats.org/drawingml/2006/main" xmlns:r="http://schemas.openxmlformats.org/officeDocument/2006/relationships" xmlns:p="http://schemas.openxmlformats.org/presentationml/2006/main">
+  <p:cSld>
+    <p:spTree>
+      <p:nvGrpSpPr>
+        <p:cNvPr id="1" name=""/>
+        <p:cNvGrpSpPr/>
+        <p:nvPr/>
+      </p:nvGrpSpPr>
+      <p:grpSpPr>
+        <a:xfrm>
+          <a:off x="0" y="0"/>
+          <a:ext cx="0" cy="0"/>
+          <a:chOff x="0" y="0"/>
+          <a:chExt cx="0" cy="0"/>
+        </a:xfrm>
+      </p:grpSpPr>
+      <p:pic>
+        <p:nvPicPr>
+          <p:cNvPr id="5" name="圖片 4">
+            <a:extLst>
+              <a:ext uri="{FF2B5EF4-FFF2-40B4-BE49-F238E27FC236}">
+                <a16:creationId xmlns:a16="http://schemas.microsoft.com/office/drawing/2014/main" id="{9374060B-530A-4F1D-A6FE-F3B5C1BC1C29}"/>
+              </a:ext>
+            </a:extLst>
+          </p:cNvPr>
+          <p:cNvPicPr>
+            <a:picLocks noChangeAspect="1"/>
+          </p:cNvPicPr>
+          <p:nvPr/>
+        </p:nvPicPr>
+        <p:blipFill>
+          <a:blip r:embed="rId2"/>
+          <a:stretch>
+            <a:fillRect/>
+          </a:stretch>
+        </p:blipFill>
+        <p:spPr>
+          <a:xfrm>
+            <a:off x="2544551" y="1834964"/>
+            <a:ext cx="3596299" cy="3188070"/>
+          </a:xfrm>
+          <a:prstGeom prst="rect">
+            <a:avLst/>
+          </a:prstGeom>
+        </p:spPr>
+      </p:pic>
+      <p:sp>
+        <p:nvSpPr>
+          <p:cNvPr id="6" name="矩形: 圓角 5">
+            <a:extLst>
+              <a:ext uri="{FF2B5EF4-FFF2-40B4-BE49-F238E27FC236}">
+                <a16:creationId xmlns:a16="http://schemas.microsoft.com/office/drawing/2014/main" id="{06EB2677-D31E-43BE-9E98-192DAC547A7C}"/>
+              </a:ext>
+            </a:extLst>
+          </p:cNvPr>
+          <p:cNvSpPr/>
+          <p:nvPr/>
+        </p:nvSpPr>
+        <p:spPr>
+          <a:xfrm>
+            <a:off x="2544551" y="4530056"/>
+            <a:ext cx="569053" cy="419449"/>
+          </a:xfrm>
+          <a:prstGeom prst="roundRect">
+            <a:avLst/>
+          </a:prstGeom>
+          <a:noFill/>
+          <a:ln w="38100">
+            <a:solidFill>
+              <a:srgbClr val="FF0000"/>
+            </a:solidFill>
+          </a:ln>
+        </p:spPr>
+        <p:style>
+          <a:lnRef idx="2">
+            <a:schemeClr val="accent1">
+              <a:shade val="50000"/>
+            </a:schemeClr>
+          </a:lnRef>
+          <a:fillRef idx="1">
+            <a:schemeClr val="accent1"/>
+          </a:fillRef>
+          <a:effectRef idx="0">
+            <a:schemeClr val="accent1"/>
+          </a:effectRef>
+          <a:fontRef idx="minor">
+            <a:schemeClr val="lt1"/>
+          </a:fontRef>
+        </p:style>
+        <p:txBody>
+          <a:bodyPr rtlCol="0" anchor="ctr"/>
+          <a:lstStyle/>
+          <a:p>
+            <a:pPr algn="ctr"/>
+            <a:endParaRPr lang="zh-TW" altLang="en-US"/>
+          </a:p>
+        </p:txBody>
+      </p:sp>
+      <p:pic>
+        <p:nvPicPr>
+          <p:cNvPr id="8" name="圖片 7">
+            <a:extLst>
+              <a:ext uri="{FF2B5EF4-FFF2-40B4-BE49-F238E27FC236}">
+                <a16:creationId xmlns:a16="http://schemas.microsoft.com/office/drawing/2014/main" id="{50BA09B8-1CA0-491E-941B-1C819CBEE213}"/>
+              </a:ext>
+            </a:extLst>
+          </p:cNvPr>
+          <p:cNvPicPr>
+            <a:picLocks noChangeAspect="1"/>
+          </p:cNvPicPr>
+          <p:nvPr/>
+        </p:nvPicPr>
+        <p:blipFill>
+          <a:blip r:embed="rId3"/>
+          <a:stretch>
+            <a:fillRect/>
+          </a:stretch>
+        </p:blipFill>
+        <p:spPr>
+          <a:xfrm>
+            <a:off x="7246252" y="1036774"/>
+            <a:ext cx="1973248" cy="4784451"/>
+          </a:xfrm>
+          <a:prstGeom prst="rect">
+            <a:avLst/>
+          </a:prstGeom>
+        </p:spPr>
+      </p:pic>
+      <p:sp>
+        <p:nvSpPr>
+          <p:cNvPr id="9" name="矩形: 圓角 8">
+            <a:extLst>
+              <a:ext uri="{FF2B5EF4-FFF2-40B4-BE49-F238E27FC236}">
+                <a16:creationId xmlns:a16="http://schemas.microsoft.com/office/drawing/2014/main" id="{CF68634B-9385-42E7-9B15-682613330EC2}"/>
+              </a:ext>
+            </a:extLst>
+          </p:cNvPr>
+          <p:cNvSpPr/>
+          <p:nvPr/>
+        </p:nvSpPr>
+        <p:spPr>
+          <a:xfrm>
+            <a:off x="7246252" y="4620364"/>
+            <a:ext cx="1906137" cy="345920"/>
+          </a:xfrm>
+          <a:prstGeom prst="roundRect">
+            <a:avLst/>
+          </a:prstGeom>
+          <a:noFill/>
+          <a:ln w="38100">
+            <a:solidFill>
+              <a:srgbClr val="FF0000"/>
+            </a:solidFill>
+          </a:ln>
+        </p:spPr>
+        <p:style>
+          <a:lnRef idx="2">
+            <a:schemeClr val="accent1">
+              <a:shade val="50000"/>
+            </a:schemeClr>
+          </a:lnRef>
+          <a:fillRef idx="1">
+            <a:schemeClr val="accent1"/>
+          </a:fillRef>
+          <a:effectRef idx="0">
+            <a:schemeClr val="accent1"/>
+          </a:effectRef>
+          <a:fontRef idx="minor">
+            <a:schemeClr val="lt1"/>
+          </a:fontRef>
+        </p:style>
+        <p:txBody>
+          <a:bodyPr rtlCol="0" anchor="ctr"/>
+          <a:lstStyle/>
+          <a:p>
+            <a:pPr algn="ctr"/>
+            <a:endParaRPr lang="zh-TW" altLang="en-US"/>
+          </a:p>
+        </p:txBody>
+      </p:sp>
+      <p:sp>
+        <p:nvSpPr>
+          <p:cNvPr id="10" name="箭號: 向右 9">
+            <a:extLst>
+              <a:ext uri="{FF2B5EF4-FFF2-40B4-BE49-F238E27FC236}">
+                <a16:creationId xmlns:a16="http://schemas.microsoft.com/office/drawing/2014/main" id="{E4624244-A66B-49C1-8644-E04229119646}"/>
+              </a:ext>
+            </a:extLst>
+          </p:cNvPr>
+          <p:cNvSpPr/>
+          <p:nvPr/>
+        </p:nvSpPr>
+        <p:spPr>
+          <a:xfrm>
+            <a:off x="6384022" y="3045204"/>
+            <a:ext cx="637563" cy="629174"/>
+          </a:xfrm>
+          <a:prstGeom prst="rightArrow">
+            <a:avLst/>
+          </a:prstGeom>
+        </p:spPr>
+        <p:style>
+          <a:lnRef idx="2">
+            <a:schemeClr val="accent1">
+              <a:shade val="50000"/>
+            </a:schemeClr>
+          </a:lnRef>
+          <a:fillRef idx="1">
+            <a:schemeClr val="accent1"/>
+          </a:fillRef>
+          <a:effectRef idx="0">
+            <a:schemeClr val="accent1"/>
+          </a:effectRef>
+          <a:fontRef idx="minor">
+            <a:schemeClr val="lt1"/>
+          </a:fontRef>
+        </p:style>
+        <p:txBody>
+          <a:bodyPr rtlCol="0" anchor="ctr"/>
+          <a:lstStyle/>
+          <a:p>
+            <a:pPr algn="ctr"/>
+            <a:endParaRPr lang="zh-TW" altLang="en-US"/>
+          </a:p>
+        </p:txBody>
+      </p:sp>
+    </p:spTree>
+    <p:extLst>
+      <p:ext uri="{BB962C8B-B14F-4D97-AF65-F5344CB8AC3E}">
+        <p14:creationId xmlns:p14="http://schemas.microsoft.com/office/powerpoint/2010/main" val="2779957554"/>
+      </p:ext>
+    </p:extLst>
+  </p:cSld>
+  <p:clrMapOvr>
+    <a:masterClrMapping/>
+  </p:clrMapOvr>
+</p:sld>
+</file>
+
+<file path=ppt/slides/slide6.xml><?xml version="1.0" encoding="utf-8"?>
+<p:sld xmlns:a="http://schemas.openxmlformats.org/drawingml/2006/main" xmlns:r="http://schemas.openxmlformats.org/officeDocument/2006/relationships" xmlns:p="http://schemas.openxmlformats.org/presentationml/2006/main">
+  <p:cSld>
+    <p:spTree>
+      <p:nvGrpSpPr>
+        <p:cNvPr id="1" name=""/>
+        <p:cNvGrpSpPr/>
+        <p:nvPr/>
+      </p:nvGrpSpPr>
+      <p:grpSpPr>
+        <a:xfrm>
+          <a:off x="0" y="0"/>
+          <a:ext cx="0" cy="0"/>
+          <a:chOff x="0" y="0"/>
+          <a:chExt cx="0" cy="0"/>
+        </a:xfrm>
+      </p:grpSpPr>
+      <p:pic>
+        <p:nvPicPr>
+          <p:cNvPr id="5" name="圖片 4">
+            <a:extLst>
+              <a:ext uri="{FF2B5EF4-FFF2-40B4-BE49-F238E27FC236}">
+                <a16:creationId xmlns:a16="http://schemas.microsoft.com/office/drawing/2014/main" id="{4A7F735F-3FD1-4E82-998E-9F59F1541C27}"/>
+              </a:ext>
+            </a:extLst>
+          </p:cNvPr>
+          <p:cNvPicPr>
+            <a:picLocks noChangeAspect="1"/>
+          </p:cNvPicPr>
+          <p:nvPr/>
+        </p:nvPicPr>
+        <p:blipFill>
+          <a:blip r:embed="rId2"/>
+          <a:stretch>
+            <a:fillRect/>
+          </a:stretch>
+        </p:blipFill>
+        <p:spPr>
+          <a:xfrm>
+            <a:off x="3836696" y="1220753"/>
+            <a:ext cx="4518608" cy="4416493"/>
+          </a:xfrm>
+          <a:prstGeom prst="rect">
+            <a:avLst/>
+          </a:prstGeom>
+        </p:spPr>
+      </p:pic>
+      <p:sp>
+        <p:nvSpPr>
+          <p:cNvPr id="6" name="矩形: 圓角 5">
+            <a:extLst>
+              <a:ext uri="{FF2B5EF4-FFF2-40B4-BE49-F238E27FC236}">
+                <a16:creationId xmlns:a16="http://schemas.microsoft.com/office/drawing/2014/main" id="{4CBDBBEC-648C-437C-A438-D096C87EF90A}"/>
+              </a:ext>
+            </a:extLst>
+          </p:cNvPr>
+          <p:cNvSpPr/>
+          <p:nvPr/>
+        </p:nvSpPr>
+        <p:spPr>
+          <a:xfrm>
+            <a:off x="3995846" y="2013359"/>
+            <a:ext cx="4216976" cy="276835"/>
+          </a:xfrm>
+          <a:prstGeom prst="roundRect">
+            <a:avLst/>
+          </a:prstGeom>
+          <a:noFill/>
+          <a:ln w="38100">
+            <a:solidFill>
+              <a:srgbClr val="FF0000"/>
+            </a:solidFill>
+          </a:ln>
+        </p:spPr>
+        <p:style>
+          <a:lnRef idx="2">
+            <a:schemeClr val="accent1">
+              <a:shade val="50000"/>
+            </a:schemeClr>
+          </a:lnRef>
+          <a:fillRef idx="1">
+            <a:schemeClr val="accent1"/>
+          </a:fillRef>
+          <a:effectRef idx="0">
+            <a:schemeClr val="accent1"/>
+          </a:effectRef>
+          <a:fontRef idx="minor">
+            <a:schemeClr val="lt1"/>
+          </a:fontRef>
+        </p:style>
+        <p:txBody>
+          <a:bodyPr rtlCol="0" anchor="ctr"/>
+          <a:lstStyle/>
+          <a:p>
+            <a:pPr algn="ctr"/>
+            <a:endParaRPr lang="zh-TW" altLang="en-US"/>
+          </a:p>
+        </p:txBody>
+      </p:sp>
+      <p:sp>
+        <p:nvSpPr>
+          <p:cNvPr id="8" name="矩形: 圓角 7">
+            <a:extLst>
+              <a:ext uri="{FF2B5EF4-FFF2-40B4-BE49-F238E27FC236}">
+                <a16:creationId xmlns:a16="http://schemas.microsoft.com/office/drawing/2014/main" id="{BAB85303-72D5-42C8-9C60-9EFD0A1DCC87}"/>
+              </a:ext>
+            </a:extLst>
+          </p:cNvPr>
+          <p:cNvSpPr/>
+          <p:nvPr/>
+        </p:nvSpPr>
+        <p:spPr>
+          <a:xfrm>
+            <a:off x="6463608" y="5219351"/>
+            <a:ext cx="876759" cy="276835"/>
+          </a:xfrm>
+          <a:prstGeom prst="roundRect">
+            <a:avLst/>
+          </a:prstGeom>
+          <a:noFill/>
+          <a:ln w="38100">
+            <a:solidFill>
+              <a:srgbClr val="FF0000"/>
+            </a:solidFill>
+          </a:ln>
+        </p:spPr>
+        <p:style>
+          <a:lnRef idx="2">
+            <a:schemeClr val="accent1">
+              <a:shade val="50000"/>
+            </a:schemeClr>
+          </a:lnRef>
+          <a:fillRef idx="1">
+            <a:schemeClr val="accent1"/>
+          </a:fillRef>
+          <a:effectRef idx="0">
+            <a:schemeClr val="accent1"/>
+          </a:effectRef>
+          <a:fontRef idx="minor">
+            <a:schemeClr val="lt1"/>
+          </a:fontRef>
+        </p:style>
+        <p:txBody>
+          <a:bodyPr rtlCol="0" anchor="ctr"/>
+          <a:lstStyle/>
+          <a:p>
+            <a:pPr algn="ctr"/>
+            <a:endParaRPr lang="zh-TW" altLang="en-US"/>
+          </a:p>
+        </p:txBody>
+      </p:sp>
+    </p:spTree>
+    <p:extLst>
+      <p:ext uri="{BB962C8B-B14F-4D97-AF65-F5344CB8AC3E}">
+        <p14:creationId xmlns:p14="http://schemas.microsoft.com/office/powerpoint/2010/main" val="46982802"/>
+      </p:ext>
+    </p:extLst>
+  </p:cSld>
+  <p:clrMapOvr>
+    <a:masterClrMapping/>
+  </p:clrMapOvr>
+</p:sld>
+</file>
+
+<file path=ppt/slides/slide7.xml><?xml version="1.0" encoding="utf-8"?>
+<p:sld xmlns:a="http://schemas.openxmlformats.org/drawingml/2006/main" xmlns:r="http://schemas.openxmlformats.org/officeDocument/2006/relationships" xmlns:p="http://schemas.openxmlformats.org/presentationml/2006/main">
+  <p:cSld>
+    <p:spTree>
+      <p:nvGrpSpPr>
+        <p:cNvPr id="1" name=""/>
+        <p:cNvGrpSpPr/>
+        <p:nvPr/>
+      </p:nvGrpSpPr>
+      <p:grpSpPr>
+        <a:xfrm>
+          <a:off x="0" y="0"/>
+          <a:ext cx="0" cy="0"/>
+          <a:chOff x="0" y="0"/>
+          <a:chExt cx="0" cy="0"/>
+        </a:xfrm>
+      </p:grpSpPr>
+      <p:pic>
+        <p:nvPicPr>
+          <p:cNvPr id="5" name="圖片 4">
+            <a:extLst>
+              <a:ext uri="{FF2B5EF4-FFF2-40B4-BE49-F238E27FC236}">
+                <a16:creationId xmlns:a16="http://schemas.microsoft.com/office/drawing/2014/main" id="{DF426C4B-E50C-4BFE-BEEB-57608307CD2F}"/>
+              </a:ext>
+            </a:extLst>
+          </p:cNvPr>
+          <p:cNvPicPr>
+            <a:picLocks noChangeAspect="1"/>
+          </p:cNvPicPr>
+          <p:nvPr/>
+        </p:nvPicPr>
+        <p:blipFill>
+          <a:blip r:embed="rId2"/>
+          <a:stretch>
+            <a:fillRect/>
+          </a:stretch>
+        </p:blipFill>
+        <p:spPr>
+          <a:xfrm>
+            <a:off x="2657475" y="514350"/>
+            <a:ext cx="6877050" cy="5829300"/>
+          </a:xfrm>
+          <a:prstGeom prst="rect">
+            <a:avLst/>
+          </a:prstGeom>
+        </p:spPr>
+      </p:pic>
+      <p:sp>
+        <p:nvSpPr>
+          <p:cNvPr id="6" name="矩形: 圓角 5">
+            <a:extLst>
+              <a:ext uri="{FF2B5EF4-FFF2-40B4-BE49-F238E27FC236}">
+                <a16:creationId xmlns:a16="http://schemas.microsoft.com/office/drawing/2014/main" id="{D2B00F90-FD44-495E-B6F3-36A66124CED4}"/>
+              </a:ext>
+            </a:extLst>
+          </p:cNvPr>
+          <p:cNvSpPr/>
+          <p:nvPr/>
+        </p:nvSpPr>
+        <p:spPr>
+          <a:xfrm>
+            <a:off x="8114840" y="5989740"/>
+            <a:ext cx="634877" cy="276835"/>
+          </a:xfrm>
+          <a:prstGeom prst="roundRect">
+            <a:avLst/>
+          </a:prstGeom>
+          <a:noFill/>
+          <a:ln w="38100">
+            <a:solidFill>
+              <a:srgbClr val="FF0000"/>
+            </a:solidFill>
+          </a:ln>
+        </p:spPr>
+        <p:style>
+          <a:lnRef idx="2">
+            <a:schemeClr val="accent1">
+              <a:shade val="50000"/>
+            </a:schemeClr>
+          </a:lnRef>
+          <a:fillRef idx="1">
+            <a:schemeClr val="accent1"/>
+          </a:fillRef>
+          <a:effectRef idx="0">
+            <a:schemeClr val="accent1"/>
+          </a:effectRef>
+          <a:fontRef idx="minor">
+            <a:schemeClr val="lt1"/>
+          </a:fontRef>
+        </p:style>
+        <p:txBody>
+          <a:bodyPr rtlCol="0" anchor="ctr"/>
+          <a:lstStyle/>
+          <a:p>
+            <a:pPr algn="ctr"/>
+            <a:endParaRPr lang="zh-TW" altLang="en-US"/>
+          </a:p>
+        </p:txBody>
+      </p:sp>
+    </p:spTree>
+    <p:extLst>
+      <p:ext uri="{BB962C8B-B14F-4D97-AF65-F5344CB8AC3E}">
+        <p14:creationId xmlns:p14="http://schemas.microsoft.com/office/powerpoint/2010/main" val="111657808"/>
+      </p:ext>
+    </p:extLst>
+  </p:cSld>
+  <p:clrMapOvr>
+    <a:masterClrMapping/>
+  </p:clrMapOvr>
+</p:sld>
+</file>
+
 <file path=ppt/theme/theme1.xml><?xml version="1.0" encoding="utf-8"?>
 <a:theme xmlns:a="http://schemas.openxmlformats.org/drawingml/2006/main" name="Office 佈景主題">
   <a:themeElements>
